--- a/DsDotNet/src/UnitTest/UnitTest.Engine/ImportOffice/ppt/T1_System.pptx
+++ b/DsDotNet/src/UnitTest/UnitTest.Engine/ImportOffice/ppt/T1_System.pptx
@@ -217,7 +217,7 @@
           <a:p>
             <a:fld id="{DD503887-5801-43A0-AEF9-041E8DDC2558}" type="datetimeFigureOut">
               <a:rPr lang="ko-KR" altLang="en-US" smtClean="0"/>
-              <a:t>2022-12-08</a:t>
+              <a:t>2022-12-20</a:t>
             </a:fld>
             <a:endParaRPr lang="ko-KR" altLang="en-US"/>
           </a:p>
@@ -394,7 +394,7 @@
           <a:p>
             <a:fld id="{95336A0E-57B1-4D4C-BD9B-2F72B5943464}" type="datetimeFigureOut">
               <a:rPr lang="ko-KR" altLang="en-US" smtClean="0"/>
-              <a:t>2022-12-08</a:t>
+              <a:t>2022-12-20</a:t>
             </a:fld>
             <a:endParaRPr lang="ko-KR" altLang="en-US"/>
           </a:p>
@@ -756,7 +756,7 @@
           <a:effectLst/>
           <a:extLst>
             <a:ext uri="{91240B29-F687-4f45-9708-019B960494DF}">
-              <a14:hiddenLine xmlns="" xmlns:a14="http://schemas.microsoft.com/office/drawing/2010/main" w="9525">
+              <a14:hiddenLine xmlns:a14="http://schemas.microsoft.com/office/drawing/2010/main" xmlns="" w="9525">
                 <a:solidFill>
                   <a:srgbClr val="000000"/>
                 </a:solidFill>
@@ -948,7 +948,7 @@
           <a:p>
             <a:fld id="{DEA6EBF0-8E22-42A7-9BEA-2AC7066E6498}" type="datetimeFigureOut">
               <a:rPr lang="ko-KR" altLang="en-US" smtClean="0"/>
-              <a:t>2022-12-08</a:t>
+              <a:t>2022-12-20</a:t>
             </a:fld>
             <a:endParaRPr lang="ko-KR" altLang="en-US"/>
           </a:p>
@@ -1266,7 +1266,7 @@
           <a:p>
             <a:fld id="{DEA6EBF0-8E22-42A7-9BEA-2AC7066E6498}" type="datetimeFigureOut">
               <a:rPr lang="ko-KR" altLang="en-US" smtClean="0"/>
-              <a:t>2022-12-08</a:t>
+              <a:t>2022-12-20</a:t>
             </a:fld>
             <a:endParaRPr lang="ko-KR" altLang="en-US"/>
           </a:p>
@@ -1754,7 +1754,7 @@
           <a:p>
             <a:fld id="{DEA6EBF0-8E22-42A7-9BEA-2AC7066E6498}" type="datetimeFigureOut">
               <a:rPr lang="ko-KR" altLang="en-US" smtClean="0"/>
-              <a:t>2022-12-08</a:t>
+              <a:t>2022-12-20</a:t>
             </a:fld>
             <a:endParaRPr lang="ko-KR" altLang="en-US"/>
           </a:p>
@@ -2123,7 +2123,7 @@
           <a:p>
             <a:fld id="{DEA6EBF0-8E22-42A7-9BEA-2AC7066E6498}" type="datetimeFigureOut">
               <a:rPr lang="ko-KR" altLang="en-US" smtClean="0"/>
-              <a:t>2022-12-08</a:t>
+              <a:t>2022-12-20</a:t>
             </a:fld>
             <a:endParaRPr lang="ko-KR" altLang="en-US"/>
           </a:p>
@@ -2278,7 +2278,7 @@
           <a:ln/>
           <a:extLst>
             <a:ext uri="{91240B29-F687-4f45-9708-019B960494DF}">
-              <a14:hiddenLine xmlns="" xmlns:a14="http://schemas.microsoft.com/office/drawing/2010/main" w="9525">
+              <a14:hiddenLine xmlns:a14="http://schemas.microsoft.com/office/drawing/2010/main" xmlns="" w="9525">
                 <a:solidFill>
                   <a:srgbClr val="000000"/>
                 </a:solidFill>
@@ -2396,7 +2396,7 @@
           <a:p>
             <a:fld id="{DEA6EBF0-8E22-42A7-9BEA-2AC7066E6498}" type="datetimeFigureOut">
               <a:rPr lang="ko-KR" altLang="en-US" smtClean="0"/>
-              <a:t>2022-12-08</a:t>
+              <a:t>2022-12-20</a:t>
             </a:fld>
             <a:endParaRPr lang="ko-KR" altLang="en-US"/>
           </a:p>
@@ -2553,7 +2553,7 @@
           <a:ln/>
           <a:extLst>
             <a:ext uri="{91240B29-F687-4f45-9708-019B960494DF}">
-              <a14:hiddenLine xmlns="" xmlns:a14="http://schemas.microsoft.com/office/drawing/2010/main" w="9525">
+              <a14:hiddenLine xmlns:a14="http://schemas.microsoft.com/office/drawing/2010/main" xmlns="" w="9525">
                 <a:solidFill>
                   <a:srgbClr val="000000"/>
                 </a:solidFill>
@@ -2681,7 +2681,7 @@
           <a:p>
             <a:fld id="{DEA6EBF0-8E22-42A7-9BEA-2AC7066E6498}" type="datetimeFigureOut">
               <a:rPr lang="ko-KR" altLang="en-US" smtClean="0"/>
-              <a:t>2022-12-08</a:t>
+              <a:t>2022-12-20</a:t>
             </a:fld>
             <a:endParaRPr lang="ko-KR" altLang="en-US"/>
           </a:p>
@@ -2836,7 +2836,7 @@
           <a:ln/>
           <a:extLst>
             <a:ext uri="{91240B29-F687-4f45-9708-019B960494DF}">
-              <a14:hiddenLine xmlns="" xmlns:a14="http://schemas.microsoft.com/office/drawing/2010/main" w="9525">
+              <a14:hiddenLine xmlns:a14="http://schemas.microsoft.com/office/drawing/2010/main" xmlns="" w="9525">
                 <a:solidFill>
                   <a:srgbClr val="000000"/>
                 </a:solidFill>
@@ -2964,7 +2964,7 @@
           <a:p>
             <a:fld id="{DEA6EBF0-8E22-42A7-9BEA-2AC7066E6498}" type="datetimeFigureOut">
               <a:rPr lang="ko-KR" altLang="en-US" smtClean="0"/>
-              <a:t>2022-12-08</a:t>
+              <a:t>2022-12-20</a:t>
             </a:fld>
             <a:endParaRPr lang="ko-KR" altLang="en-US"/>
           </a:p>
@@ -3307,7 +3307,7 @@
           <a:p>
             <a:fld id="{DEA6EBF0-8E22-42A7-9BEA-2AC7066E6498}" type="datetimeFigureOut">
               <a:rPr lang="ko-KR" altLang="en-US" smtClean="0"/>
-              <a:t>2022-12-08</a:t>
+              <a:t>2022-12-20</a:t>
             </a:fld>
             <a:endParaRPr lang="ko-KR" altLang="en-US"/>
           </a:p>
@@ -3462,7 +3462,7 @@
           <a:ln/>
           <a:extLst>
             <a:ext uri="{91240B29-F687-4f45-9708-019B960494DF}">
-              <a14:hiddenLine xmlns="" xmlns:a14="http://schemas.microsoft.com/office/drawing/2010/main" w="9525">
+              <a14:hiddenLine xmlns:a14="http://schemas.microsoft.com/office/drawing/2010/main" xmlns="" w="9525">
                 <a:solidFill>
                   <a:srgbClr val="000000"/>
                 </a:solidFill>
@@ -3646,7 +3646,7 @@
           <a:p>
             <a:fld id="{DEA6EBF0-8E22-42A7-9BEA-2AC7066E6498}" type="datetimeFigureOut">
               <a:rPr lang="ko-KR" altLang="en-US" smtClean="0"/>
-              <a:t>2022-12-08</a:t>
+              <a:t>2022-12-20</a:t>
             </a:fld>
             <a:endParaRPr lang="ko-KR" altLang="en-US"/>
           </a:p>
@@ -3801,7 +3801,7 @@
           <a:ln/>
           <a:extLst>
             <a:ext uri="{91240B29-F687-4f45-9708-019B960494DF}">
-              <a14:hiddenLine xmlns="" xmlns:a14="http://schemas.microsoft.com/office/drawing/2010/main" w="9525">
+              <a14:hiddenLine xmlns:a14="http://schemas.microsoft.com/office/drawing/2010/main" xmlns="" w="9525">
                 <a:solidFill>
                   <a:srgbClr val="000000"/>
                 </a:solidFill>
@@ -4123,7 +4123,7 @@
           <a:p>
             <a:fld id="{DEA6EBF0-8E22-42A7-9BEA-2AC7066E6498}" type="datetimeFigureOut">
               <a:rPr lang="ko-KR" altLang="en-US" smtClean="0"/>
-              <a:t>2022-12-08</a:t>
+              <a:t>2022-12-20</a:t>
             </a:fld>
             <a:endParaRPr lang="ko-KR" altLang="en-US"/>
           </a:p>
@@ -4241,7 +4241,7 @@
           <a:p>
             <a:fld id="{DEA6EBF0-8E22-42A7-9BEA-2AC7066E6498}" type="datetimeFigureOut">
               <a:rPr lang="ko-KR" altLang="en-US" smtClean="0"/>
-              <a:t>2022-12-08</a:t>
+              <a:t>2022-12-20</a:t>
             </a:fld>
             <a:endParaRPr lang="ko-KR" altLang="en-US"/>
           </a:p>
@@ -4336,7 +4336,7 @@
           <a:p>
             <a:fld id="{DEA6EBF0-8E22-42A7-9BEA-2AC7066E6498}" type="datetimeFigureOut">
               <a:rPr lang="ko-KR" altLang="en-US" smtClean="0"/>
-              <a:t>2022-12-08</a:t>
+              <a:t>2022-12-20</a:t>
             </a:fld>
             <a:endParaRPr lang="ko-KR" altLang="en-US"/>
           </a:p>
@@ -4604,7 +4604,7 @@
           <a:ln/>
           <a:extLst>
             <a:ext uri="{91240B29-F687-4f45-9708-019B960494DF}">
-              <a14:hiddenLine xmlns="" xmlns:a14="http://schemas.microsoft.com/office/drawing/2010/main" w="9525">
+              <a14:hiddenLine xmlns:a14="http://schemas.microsoft.com/office/drawing/2010/main" xmlns="" w="9525">
                 <a:solidFill>
                   <a:srgbClr val="000000"/>
                 </a:solidFill>
@@ -4803,7 +4803,7 @@
           <a:p>
             <a:fld id="{DEA6EBF0-8E22-42A7-9BEA-2AC7066E6498}" type="datetimeFigureOut">
               <a:rPr lang="ko-KR" altLang="en-US" smtClean="0"/>
-              <a:t>2022-12-08</a:t>
+              <a:t>2022-12-20</a:t>
             </a:fld>
             <a:endParaRPr lang="ko-KR" altLang="en-US"/>
           </a:p>
@@ -5116,7 +5116,7 @@
           <a:p>
             <a:fld id="{DEA6EBF0-8E22-42A7-9BEA-2AC7066E6498}" type="datetimeFigureOut">
               <a:rPr lang="ko-KR" altLang="en-US" smtClean="0"/>
-              <a:t>2022-12-08</a:t>
+              <a:t>2022-12-20</a:t>
             </a:fld>
             <a:endParaRPr lang="ko-KR" altLang="en-US"/>
           </a:p>
@@ -5386,7 +5386,7 @@
           <a:p>
             <a:fld id="{DEA6EBF0-8E22-42A7-9BEA-2AC7066E6498}" type="datetimeFigureOut">
               <a:rPr lang="ko-KR" altLang="en-US" smtClean="0"/>
-              <a:t>2022-12-08</a:t>
+              <a:t>2022-12-20</a:t>
             </a:fld>
             <a:endParaRPr lang="ko-KR" altLang="en-US"/>
           </a:p>
@@ -6175,7 +6175,14 @@
             <a:pPr algn="ctr"/>
             <a:r>
               <a:rPr lang="en-US" altLang="ko-KR" sz="1600" dirty="0"/>
-              <a:t>Lib/Cylinder/Double</a:t>
+              <a:t>../Sample</a:t>
+            </a:r>
+          </a:p>
+          <a:p>
+            <a:pPr algn="ctr"/>
+            <a:r>
+              <a:rPr lang="en-US" altLang="ko-KR" sz="1600" dirty="0"/>
+              <a:t>/Lib/Cylinder/Double</a:t>
             </a:r>
           </a:p>
           <a:p>
@@ -6240,7 +6247,14 @@
             <a:pPr algn="ctr"/>
             <a:r>
               <a:rPr lang="en-US" altLang="ko-KR" sz="1600" dirty="0"/>
-              <a:t>Lib/Robot/Weld</a:t>
+              <a:t>../Sample</a:t>
+            </a:r>
+          </a:p>
+          <a:p>
+            <a:pPr algn="ctr"/>
+            <a:r>
+              <a:rPr lang="en-US" altLang="ko-KR" sz="1600" dirty="0"/>
+              <a:t>/Lib/Robot/Weld</a:t>
             </a:r>
           </a:p>
           <a:p>
@@ -6314,10 +6328,10 @@
       </p:sp>
       <p:sp>
         <p:nvSpPr>
-          <p:cNvPr id="11" name="사각형: 모서리가 접힌 도형 10">
+          <p:cNvPr id="4" name="사각형: 모서리가 접힌 도형 3">
             <a:extLst>
               <a:ext uri="{FF2B5EF4-FFF2-40B4-BE49-F238E27FC236}">
-                <a16:creationId xmlns:a16="http://schemas.microsoft.com/office/drawing/2014/main" id="{315E1109-CE1F-AED5-1B4F-B96C02A1EF9A}"/>
+                <a16:creationId xmlns:a16="http://schemas.microsoft.com/office/drawing/2014/main" id="{EEDB368B-28D1-B422-F437-FA7DC7D95CC8}"/>
               </a:ext>
             </a:extLst>
           </p:cNvPr>
@@ -6364,7 +6378,14 @@
             <a:pPr algn="ctr"/>
             <a:r>
               <a:rPr lang="en-US" altLang="ko-KR" sz="1600" dirty="0"/>
-              <a:t>Lib/Cylinder/Double</a:t>
+              <a:t>../Sample</a:t>
+            </a:r>
+          </a:p>
+          <a:p>
+            <a:pPr algn="ctr"/>
+            <a:r>
+              <a:rPr lang="en-US" altLang="ko-KR" sz="1600" dirty="0"/>
+              <a:t>/Lib/Cylinder/Double</a:t>
             </a:r>
           </a:p>
           <a:p>
@@ -6379,10 +6400,10 @@
       </p:sp>
       <p:sp>
         <p:nvSpPr>
-          <p:cNvPr id="3" name="사각형: 모서리가 접힌 도형 2">
+          <p:cNvPr id="5" name="사각형: 모서리가 접힌 도형 4">
             <a:extLst>
               <a:ext uri="{FF2B5EF4-FFF2-40B4-BE49-F238E27FC236}">
-                <a16:creationId xmlns:a16="http://schemas.microsoft.com/office/drawing/2014/main" id="{03FFF656-9483-33FC-B597-3A02BDD38418}"/>
+                <a16:creationId xmlns:a16="http://schemas.microsoft.com/office/drawing/2014/main" id="{81F597C7-A704-C79D-38FF-D833F1FB20FC}"/>
               </a:ext>
             </a:extLst>
           </p:cNvPr>
@@ -6429,7 +6450,14 @@
             <a:pPr algn="ctr"/>
             <a:r>
               <a:rPr lang="en-US" altLang="ko-KR" sz="1600" dirty="0"/>
-              <a:t>Lib/Robot/Weld</a:t>
+              <a:t>../Sample</a:t>
+            </a:r>
+          </a:p>
+          <a:p>
+            <a:pPr algn="ctr"/>
+            <a:r>
+              <a:rPr lang="en-US" altLang="ko-KR" sz="1600" dirty="0"/>
+              <a:t>/Lib/Robot/Weld</a:t>
             </a:r>
           </a:p>
           <a:p>
